--- a/13_loading_and_preprocessing_data/텐서플로에서 데이터 적재와 전처리하기.pptx
+++ b/13_loading_and_preprocessing_data/텐서플로에서 데이터 적재와 전처리하기.pptx
@@ -8,8 +8,8 @@
     <p:sldId id="256" r:id="rId2"/>
     <p:sldId id="259" r:id="rId3"/>
     <p:sldId id="257" r:id="rId4"/>
-    <p:sldId id="261" r:id="rId5"/>
-    <p:sldId id="260" r:id="rId6"/>
+    <p:sldId id="260" r:id="rId5"/>
+    <p:sldId id="261" r:id="rId6"/>
     <p:sldId id="258" r:id="rId7"/>
   </p:sldIdLst>
   <p:sldSz cx="12192000" cy="6858000"/>
@@ -3956,412 +3956,89 @@
           <a:p>
             <a:r>
               <a:rPr lang="en-US" altLang="ko-KR" sz="3200" b="1" dirty="0"/>
-              <a:t>13.2 </a:t>
-            </a:r>
-            <a:r>
-              <a:rPr lang="en-US" altLang="ko-KR" sz="3200" b="1" dirty="0" err="1"/>
-              <a:t>TFRecord</a:t>
-            </a:r>
-            <a:r>
-              <a:rPr lang="en-US" altLang="ko-KR" sz="3200" b="1" dirty="0"/>
-              <a:t> </a:t>
-            </a:r>
-            <a:r>
-              <a:rPr lang="ko-KR" altLang="en-US" sz="3200" b="1" dirty="0"/>
-              <a:t>포맷</a:t>
-            </a:r>
-          </a:p>
-        </p:txBody>
-      </p:sp>
-      <p:sp>
-        <p:nvSpPr>
-          <p:cNvPr id="3" name="내용 개체 틀 2">
-            <a:extLst>
-              <a:ext uri="{FF2B5EF4-FFF2-40B4-BE49-F238E27FC236}">
-                <a16:creationId xmlns:a16="http://schemas.microsoft.com/office/drawing/2014/main" id="{95A3E61C-2B7F-4859-A17B-4F5C3C058AD1}"/>
-              </a:ext>
-            </a:extLst>
-          </p:cNvPr>
-          <p:cNvSpPr>
-            <a:spLocks noGrp="1"/>
-          </p:cNvSpPr>
+              <a:t>13.1.5 Prefetch</a:t>
+            </a:r>
+            <a:endParaRPr lang="ko-KR" altLang="en-US" sz="3200" b="1" dirty="0"/>
+          </a:p>
+        </p:txBody>
+      </p:sp>
+      <p:pic>
+        <p:nvPicPr>
+          <p:cNvPr id="5" name="내용 개체 틀 4">
+            <a:extLst>
+              <a:ext uri="{FF2B5EF4-FFF2-40B4-BE49-F238E27FC236}">
+                <a16:creationId xmlns:a16="http://schemas.microsoft.com/office/drawing/2014/main" id="{96F62DAA-205A-43D2-B626-B82CA5C854DE}"/>
+              </a:ext>
+            </a:extLst>
+          </p:cNvPr>
+          <p:cNvPicPr>
+            <a:picLocks noGrp="1" noChangeAspect="1"/>
+          </p:cNvPicPr>
           <p:nvPr>
             <p:ph idx="1"/>
           </p:nvPr>
-        </p:nvSpPr>
+        </p:nvPicPr>
+        <p:blipFill>
+          <a:blip r:embed="rId2">
+            <a:extLst>
+              <a:ext uri="{28A0092B-C50C-407E-A947-70E740481C1C}">
+                <a14:useLocalDpi xmlns:a14="http://schemas.microsoft.com/office/drawing/2010/main" val="0"/>
+              </a:ext>
+            </a:extLst>
+          </a:blip>
+          <a:stretch>
+            <a:fillRect/>
+          </a:stretch>
+        </p:blipFill>
         <p:spPr>
           <a:xfrm>
-            <a:off x="838200" y="2058875"/>
-            <a:ext cx="10515600" cy="2613414"/>
+            <a:off x="1142842" y="1253331"/>
+            <a:ext cx="5708028" cy="4351338"/>
           </a:xfrm>
         </p:spPr>
-        <p:txBody>
-          <a:bodyPr/>
-          <a:lstStyle/>
-          <a:p>
-            <a:pPr algn="l" rtl="0">
-              <a:spcBef>
-                <a:spcPts val="0"/>
-              </a:spcBef>
-              <a:spcAft>
-                <a:spcPts val="0"/>
-              </a:spcAft>
-            </a:pPr>
-            <a:r>
-              <a:rPr lang="en-US" altLang="ko-KR" sz="1800" b="0" i="0" u="none" strike="noStrike" dirty="0" err="1">
-                <a:effectLst/>
-                <a:latin typeface="돋움" panose="020B0600000101010101" pitchFamily="50" charset="-127"/>
-                <a:ea typeface="돋움" panose="020B0600000101010101" pitchFamily="50" charset="-127"/>
-              </a:rPr>
-              <a:t>TFRecord</a:t>
-            </a:r>
-            <a:r>
-              <a:rPr lang="en-US" altLang="ko-KR" sz="1800" b="0" i="0" u="none" strike="noStrike" dirty="0">
-                <a:effectLst/>
-                <a:latin typeface="돋움" panose="020B0600000101010101" pitchFamily="50" charset="-127"/>
-                <a:ea typeface="돋움" panose="020B0600000101010101" pitchFamily="50" charset="-127"/>
-              </a:rPr>
-              <a:t> </a:t>
-            </a:r>
-            <a:r>
-              <a:rPr lang="ko-KR" altLang="en-US" sz="1800" b="0" i="0" u="none" strike="noStrike" dirty="0">
-                <a:effectLst/>
-                <a:latin typeface="돋움" panose="020B0600000101010101" pitchFamily="50" charset="-127"/>
-                <a:ea typeface="돋움" panose="020B0600000101010101" pitchFamily="50" charset="-127"/>
-              </a:rPr>
-              <a:t>파일은 </a:t>
-            </a:r>
-            <a:r>
-              <a:rPr lang="ko-KR" altLang="en-US" sz="1800" b="0" i="0" u="none" strike="noStrike" dirty="0" err="1">
-                <a:effectLst/>
-                <a:latin typeface="돋움" panose="020B0600000101010101" pitchFamily="50" charset="-127"/>
-                <a:ea typeface="돋움" panose="020B0600000101010101" pitchFamily="50" charset="-127"/>
-              </a:rPr>
-              <a:t>텐서플로우의</a:t>
-            </a:r>
-            <a:r>
-              <a:rPr lang="ko-KR" altLang="en-US" sz="1800" b="0" i="0" u="none" strike="noStrike" dirty="0">
-                <a:effectLst/>
-                <a:latin typeface="돋움" panose="020B0600000101010101" pitchFamily="50" charset="-127"/>
-                <a:ea typeface="돋움" panose="020B0600000101010101" pitchFamily="50" charset="-127"/>
-              </a:rPr>
-              <a:t> 학습 데이터 등을 저장하기 위한 바이너리 데이터 포맷으로</a:t>
-            </a:r>
-            <a:r>
-              <a:rPr lang="en-US" altLang="ko-KR" sz="1800" b="0" i="0" u="none" strike="noStrike" dirty="0">
-                <a:effectLst/>
-                <a:latin typeface="돋움" panose="020B0600000101010101" pitchFamily="50" charset="-127"/>
-                <a:ea typeface="돋움" panose="020B0600000101010101" pitchFamily="50" charset="-127"/>
-              </a:rPr>
-              <a:t>, </a:t>
-            </a:r>
-            <a:r>
-              <a:rPr lang="ko-KR" altLang="en-US" sz="1800" b="0" i="0" u="none" strike="noStrike" dirty="0">
-                <a:effectLst/>
-                <a:latin typeface="돋움" panose="020B0600000101010101" pitchFamily="50" charset="-127"/>
-                <a:ea typeface="돋움" panose="020B0600000101010101" pitchFamily="50" charset="-127"/>
-              </a:rPr>
-              <a:t>구글의 </a:t>
-            </a:r>
-            <a:r>
-              <a:rPr lang="en-US" altLang="ko-KR" sz="1800" b="0" i="0" u="none" strike="noStrike" dirty="0">
-                <a:effectLst/>
-                <a:latin typeface="돋움" panose="020B0600000101010101" pitchFamily="50" charset="-127"/>
-                <a:ea typeface="돋움" panose="020B0600000101010101" pitchFamily="50" charset="-127"/>
-              </a:rPr>
-              <a:t>Protocol Buffer </a:t>
-            </a:r>
-            <a:r>
-              <a:rPr lang="ko-KR" altLang="en-US" sz="1800" b="0" i="0" u="none" strike="noStrike" dirty="0">
-                <a:effectLst/>
-                <a:latin typeface="돋움" panose="020B0600000101010101" pitchFamily="50" charset="-127"/>
-                <a:ea typeface="돋움" panose="020B0600000101010101" pitchFamily="50" charset="-127"/>
-              </a:rPr>
-              <a:t>포맷으로 데이터를 파일에 </a:t>
-            </a:r>
-            <a:r>
-              <a:rPr lang="en-US" altLang="ko-KR" sz="1800" b="0" i="0" u="none" strike="noStrike" dirty="0">
-                <a:effectLst/>
-                <a:latin typeface="돋움" panose="020B0600000101010101" pitchFamily="50" charset="-127"/>
-                <a:ea typeface="돋움" panose="020B0600000101010101" pitchFamily="50" charset="-127"/>
-              </a:rPr>
-              <a:t>Serialize </a:t>
-            </a:r>
-            <a:r>
-              <a:rPr lang="ko-KR" altLang="en-US" sz="1800" b="0" i="0" u="none" strike="noStrike" dirty="0">
-                <a:effectLst/>
-                <a:latin typeface="돋움" panose="020B0600000101010101" pitchFamily="50" charset="-127"/>
-                <a:ea typeface="돋움" panose="020B0600000101010101" pitchFamily="50" charset="-127"/>
-              </a:rPr>
-              <a:t>하여 저장</a:t>
-            </a:r>
-            <a:endParaRPr lang="en-US" altLang="ko-KR" sz="1800" b="0" i="0" u="none" strike="noStrike" dirty="0">
-              <a:effectLst/>
-              <a:latin typeface="돋움" panose="020B0600000101010101" pitchFamily="50" charset="-127"/>
-              <a:ea typeface="돋움" panose="020B0600000101010101" pitchFamily="50" charset="-127"/>
-            </a:endParaRPr>
-          </a:p>
-          <a:p>
-            <a:pPr algn="l" rtl="0">
-              <a:spcBef>
-                <a:spcPts val="0"/>
-              </a:spcBef>
-              <a:spcAft>
-                <a:spcPts val="0"/>
-              </a:spcAft>
-            </a:pPr>
-            <a:endParaRPr lang="ko-KR" altLang="en-US" sz="1800" b="0" i="0" dirty="0">
-              <a:effectLst/>
-              <a:latin typeface="돋움" panose="020B0600000101010101" pitchFamily="50" charset="-127"/>
-              <a:ea typeface="돋움" panose="020B0600000101010101" pitchFamily="50" charset="-127"/>
-            </a:endParaRPr>
-          </a:p>
-          <a:p>
-            <a:pPr algn="l" rtl="0">
-              <a:spcBef>
-                <a:spcPts val="0"/>
-              </a:spcBef>
-              <a:spcAft>
-                <a:spcPts val="0"/>
-              </a:spcAft>
-            </a:pPr>
-            <a:r>
-              <a:rPr lang="en-US" altLang="ko-KR" sz="1800" b="0" i="0" u="none" strike="noStrike" dirty="0">
-                <a:effectLst/>
-                <a:latin typeface="돋움" panose="020B0600000101010101" pitchFamily="50" charset="-127"/>
-                <a:ea typeface="돋움" panose="020B0600000101010101" pitchFamily="50" charset="-127"/>
-              </a:rPr>
-              <a:t>CSV </a:t>
-            </a:r>
-            <a:r>
-              <a:rPr lang="ko-KR" altLang="en-US" sz="1800" b="0" i="0" u="none" strike="noStrike" dirty="0" err="1">
-                <a:effectLst/>
-                <a:latin typeface="돋움" panose="020B0600000101010101" pitchFamily="50" charset="-127"/>
-                <a:ea typeface="돋움" panose="020B0600000101010101" pitchFamily="50" charset="-127"/>
-              </a:rPr>
-              <a:t>파일에서와</a:t>
-            </a:r>
-            <a:r>
-              <a:rPr lang="ko-KR" altLang="en-US" sz="1800" b="0" i="0" u="none" strike="noStrike" dirty="0">
-                <a:effectLst/>
-                <a:latin typeface="돋움" panose="020B0600000101010101" pitchFamily="50" charset="-127"/>
-                <a:ea typeface="돋움" panose="020B0600000101010101" pitchFamily="50" charset="-127"/>
-              </a:rPr>
-              <a:t> 같이 숫자나 텍스트 데이터를 읽을 때는 크게 지장이 없지만</a:t>
-            </a:r>
-            <a:r>
-              <a:rPr lang="en-US" altLang="ko-KR" sz="1800" b="0" i="0" u="none" strike="noStrike" dirty="0">
-                <a:effectLst/>
-                <a:latin typeface="돋움" panose="020B0600000101010101" pitchFamily="50" charset="-127"/>
-                <a:ea typeface="돋움" panose="020B0600000101010101" pitchFamily="50" charset="-127"/>
-              </a:rPr>
-              <a:t>, </a:t>
-            </a:r>
-            <a:r>
-              <a:rPr lang="ko-KR" altLang="en-US" sz="1800" b="0" i="0" u="none" strike="noStrike" dirty="0">
-                <a:effectLst/>
-                <a:latin typeface="돋움" panose="020B0600000101010101" pitchFamily="50" charset="-127"/>
-                <a:ea typeface="돋움" panose="020B0600000101010101" pitchFamily="50" charset="-127"/>
-              </a:rPr>
-              <a:t>이미지를 데이터를 읽을 경우 이미지는 </a:t>
-            </a:r>
-            <a:r>
-              <a:rPr lang="en-US" altLang="ko-KR" sz="1800" b="0" i="0" u="none" strike="noStrike" dirty="0">
-                <a:effectLst/>
-                <a:latin typeface="돋움" panose="020B0600000101010101" pitchFamily="50" charset="-127"/>
-                <a:ea typeface="돋움" panose="020B0600000101010101" pitchFamily="50" charset="-127"/>
-              </a:rPr>
-              <a:t>JPEG</a:t>
-            </a:r>
-            <a:r>
-              <a:rPr lang="ko-KR" altLang="en-US" sz="1800" b="0" i="0" u="none" strike="noStrike" dirty="0">
-                <a:effectLst/>
-                <a:latin typeface="돋움" panose="020B0600000101010101" pitchFamily="50" charset="-127"/>
-                <a:ea typeface="돋움" panose="020B0600000101010101" pitchFamily="50" charset="-127"/>
-              </a:rPr>
-              <a:t>나 </a:t>
-            </a:r>
-            <a:r>
-              <a:rPr lang="en-US" altLang="ko-KR" sz="1800" b="0" i="0" u="none" strike="noStrike" dirty="0">
-                <a:effectLst/>
-                <a:latin typeface="돋움" panose="020B0600000101010101" pitchFamily="50" charset="-127"/>
-                <a:ea typeface="돋움" panose="020B0600000101010101" pitchFamily="50" charset="-127"/>
-              </a:rPr>
-              <a:t>PNG </a:t>
-            </a:r>
-            <a:r>
-              <a:rPr lang="ko-KR" altLang="en-US" sz="1800" b="0" i="0" u="none" strike="noStrike" dirty="0">
-                <a:effectLst/>
-                <a:latin typeface="돋움" panose="020B0600000101010101" pitchFamily="50" charset="-127"/>
-                <a:ea typeface="돋움" panose="020B0600000101010101" pitchFamily="50" charset="-127"/>
-              </a:rPr>
-              <a:t>형태의 파일로 저장되어 있고 이에 대한 메타 데이터와 라벨은 별도의 파일에 저장되어 있기 때문에</a:t>
-            </a:r>
-            <a:r>
-              <a:rPr lang="en-US" altLang="ko-KR" sz="1800" b="0" i="0" u="none" strike="noStrike" dirty="0">
-                <a:effectLst/>
-                <a:latin typeface="돋움" panose="020B0600000101010101" pitchFamily="50" charset="-127"/>
-                <a:ea typeface="돋움" panose="020B0600000101010101" pitchFamily="50" charset="-127"/>
-              </a:rPr>
-              <a:t>, </a:t>
-            </a:r>
-            <a:r>
-              <a:rPr lang="ko-KR" altLang="en-US" sz="1800" b="0" i="0" u="none" strike="noStrike" dirty="0">
-                <a:effectLst/>
-                <a:latin typeface="돋움" panose="020B0600000101010101" pitchFamily="50" charset="-127"/>
-                <a:ea typeface="돋움" panose="020B0600000101010101" pitchFamily="50" charset="-127"/>
-              </a:rPr>
-              <a:t>학습 데이터를 읽을 때 메타데이터나 라벨용 파일 하나만 읽는 것이 아니라 이미지 파일도 별도로 읽어야 하기 때문에</a:t>
-            </a:r>
-            <a:r>
-              <a:rPr lang="en-US" altLang="ko-KR" sz="1800" b="0" i="0" u="none" strike="noStrike" dirty="0">
-                <a:effectLst/>
-                <a:latin typeface="돋움" panose="020B0600000101010101" pitchFamily="50" charset="-127"/>
-                <a:ea typeface="돋움" panose="020B0600000101010101" pitchFamily="50" charset="-127"/>
-              </a:rPr>
-              <a:t>, </a:t>
-            </a:r>
-            <a:r>
-              <a:rPr lang="ko-KR" altLang="en-US" sz="1800" b="0" i="0" u="none" strike="noStrike" dirty="0">
-                <a:effectLst/>
-                <a:latin typeface="돋움" panose="020B0600000101010101" pitchFamily="50" charset="-127"/>
-                <a:ea typeface="돋움" panose="020B0600000101010101" pitchFamily="50" charset="-127"/>
-              </a:rPr>
-              <a:t>코드가 복잡해짐</a:t>
-            </a:r>
-            <a:endParaRPr lang="en-US" altLang="ko-KR" sz="1800" b="0" i="0" u="none" strike="noStrike" dirty="0">
-              <a:effectLst/>
-              <a:latin typeface="돋움" panose="020B0600000101010101" pitchFamily="50" charset="-127"/>
-              <a:ea typeface="돋움" panose="020B0600000101010101" pitchFamily="50" charset="-127"/>
-            </a:endParaRPr>
-          </a:p>
-          <a:p>
-            <a:pPr algn="l" rtl="0">
-              <a:spcBef>
-                <a:spcPts val="0"/>
-              </a:spcBef>
-              <a:spcAft>
-                <a:spcPts val="0"/>
-              </a:spcAft>
-            </a:pPr>
-            <a:endParaRPr lang="en-US" altLang="ko-KR" sz="1800" b="0" i="0" u="none" strike="noStrike" dirty="0">
-              <a:effectLst/>
-              <a:latin typeface="돋움" panose="020B0600000101010101" pitchFamily="50" charset="-127"/>
-              <a:ea typeface="돋움" panose="020B0600000101010101" pitchFamily="50" charset="-127"/>
-            </a:endParaRPr>
-          </a:p>
-          <a:p>
-            <a:pPr algn="l" rtl="0">
-              <a:spcBef>
-                <a:spcPts val="0"/>
-              </a:spcBef>
-              <a:spcAft>
-                <a:spcPts val="0"/>
-              </a:spcAft>
-            </a:pPr>
-            <a:r>
-              <a:rPr lang="ko-KR" altLang="en-US" sz="1800" b="0" i="0" dirty="0">
-                <a:effectLst/>
-                <a:latin typeface="Dotum" panose="020B0600000101010101" pitchFamily="50" charset="-127"/>
-                <a:ea typeface="Dotum" panose="020B0600000101010101" pitchFamily="50" charset="-127"/>
-              </a:rPr>
-              <a:t>각 레코드는 </a:t>
-            </a:r>
-            <a:r>
-              <a:rPr lang="en-US" altLang="ko-KR" sz="1800" b="0" i="0" dirty="0">
-                <a:effectLst/>
-                <a:latin typeface="Dotum" panose="020B0600000101010101" pitchFamily="50" charset="-127"/>
-                <a:ea typeface="Dotum" panose="020B0600000101010101" pitchFamily="50" charset="-127"/>
-              </a:rPr>
-              <a:t>“</a:t>
-            </a:r>
-            <a:r>
-              <a:rPr lang="ko-KR" altLang="en-US" sz="1800" b="0" i="0" dirty="0">
-                <a:effectLst/>
-                <a:latin typeface="Dotum" panose="020B0600000101010101" pitchFamily="50" charset="-127"/>
-                <a:ea typeface="Dotum" panose="020B0600000101010101" pitchFamily="50" charset="-127"/>
-              </a:rPr>
-              <a:t>레코드 길이</a:t>
-            </a:r>
-            <a:r>
-              <a:rPr lang="en-US" altLang="ko-KR" sz="1800" b="0" i="0" dirty="0">
-                <a:effectLst/>
-                <a:latin typeface="Dotum" panose="020B0600000101010101" pitchFamily="50" charset="-127"/>
-                <a:ea typeface="Dotum" panose="020B0600000101010101" pitchFamily="50" charset="-127"/>
-              </a:rPr>
-              <a:t>, </a:t>
-            </a:r>
-            <a:r>
-              <a:rPr lang="ko-KR" altLang="en-US" sz="1800" b="0" i="0" dirty="0">
-                <a:effectLst/>
-                <a:latin typeface="Dotum" panose="020B0600000101010101" pitchFamily="50" charset="-127"/>
-                <a:ea typeface="Dotum" panose="020B0600000101010101" pitchFamily="50" charset="-127"/>
-              </a:rPr>
-              <a:t>길이가 </a:t>
-            </a:r>
-            <a:r>
-              <a:rPr lang="ko-KR" altLang="en-US" sz="1800" b="0" i="0" dirty="0" err="1">
-                <a:effectLst/>
-                <a:latin typeface="Dotum" panose="020B0600000101010101" pitchFamily="50" charset="-127"/>
-                <a:ea typeface="Dotum" panose="020B0600000101010101" pitchFamily="50" charset="-127"/>
-              </a:rPr>
-              <a:t>올바른지</a:t>
-            </a:r>
-            <a:r>
-              <a:rPr lang="ko-KR" altLang="en-US" sz="1800" b="0" i="0" dirty="0">
-                <a:effectLst/>
-                <a:latin typeface="Dotum" panose="020B0600000101010101" pitchFamily="50" charset="-127"/>
-                <a:ea typeface="Dotum" panose="020B0600000101010101" pitchFamily="50" charset="-127"/>
-              </a:rPr>
-              <a:t> 체크하는 </a:t>
-            </a:r>
-            <a:r>
-              <a:rPr lang="en-US" altLang="ko-KR" sz="1800" b="0" i="0" dirty="0">
-                <a:effectLst/>
-                <a:latin typeface="Dotum" panose="020B0600000101010101" pitchFamily="50" charset="-127"/>
-                <a:ea typeface="Dotum" panose="020B0600000101010101" pitchFamily="50" charset="-127"/>
-              </a:rPr>
-              <a:t>CRC Checksum, </a:t>
-            </a:r>
-            <a:r>
-              <a:rPr lang="ko-KR" altLang="en-US" sz="1800" b="0" i="0" dirty="0">
-                <a:effectLst/>
-                <a:latin typeface="Dotum" panose="020B0600000101010101" pitchFamily="50" charset="-127"/>
-                <a:ea typeface="Dotum" panose="020B0600000101010101" pitchFamily="50" charset="-127"/>
-              </a:rPr>
-              <a:t>실제 데이터</a:t>
-            </a:r>
-            <a:r>
-              <a:rPr lang="en-US" altLang="ko-KR" sz="1800" b="0" i="0" dirty="0">
-                <a:effectLst/>
-                <a:latin typeface="Dotum" panose="020B0600000101010101" pitchFamily="50" charset="-127"/>
-                <a:ea typeface="Dotum" panose="020B0600000101010101" pitchFamily="50" charset="-127"/>
-              </a:rPr>
-              <a:t>, </a:t>
-            </a:r>
-            <a:r>
-              <a:rPr lang="ko-KR" altLang="en-US" sz="1800" b="0" i="0" dirty="0">
-                <a:effectLst/>
-                <a:latin typeface="Dotum" panose="020B0600000101010101" pitchFamily="50" charset="-127"/>
-                <a:ea typeface="Dotum" panose="020B0600000101010101" pitchFamily="50" charset="-127"/>
-              </a:rPr>
-              <a:t>데이터를 위한 </a:t>
-            </a:r>
-            <a:r>
-              <a:rPr lang="en-US" altLang="ko-KR" sz="1800" b="0" i="0" dirty="0">
-                <a:effectLst/>
-                <a:latin typeface="Dotum" panose="020B0600000101010101" pitchFamily="50" charset="-127"/>
-                <a:ea typeface="Dotum" panose="020B0600000101010101" pitchFamily="50" charset="-127"/>
-              </a:rPr>
-              <a:t>CRC Checksum”</a:t>
-            </a:r>
-            <a:r>
-              <a:rPr lang="ko-KR" altLang="en-US" sz="1800" b="0" i="0" dirty="0">
-                <a:effectLst/>
-                <a:latin typeface="Dotum" panose="020B0600000101010101" pitchFamily="50" charset="-127"/>
-                <a:ea typeface="Dotum" panose="020B0600000101010101" pitchFamily="50" charset="-127"/>
-              </a:rPr>
-              <a:t>으로 이루어짐</a:t>
+      </p:pic>
+      <p:sp>
+        <p:nvSpPr>
+          <p:cNvPr id="6" name="TextBox 5">
+            <a:extLst>
+              <a:ext uri="{FF2B5EF4-FFF2-40B4-BE49-F238E27FC236}">
+                <a16:creationId xmlns:a16="http://schemas.microsoft.com/office/drawing/2014/main" id="{C2162AC8-3560-4FCA-AFA4-9595667BCEBF}"/>
+              </a:ext>
+            </a:extLst>
+          </p:cNvPr>
+          <p:cNvSpPr txBox="1"/>
+          <p:nvPr/>
+        </p:nvSpPr>
+        <p:spPr>
+          <a:xfrm>
+            <a:off x="6850870" y="3105834"/>
+            <a:ext cx="4286751" cy="646331"/>
+          </a:xfrm>
+          <a:prstGeom prst="rect">
+            <a:avLst/>
+          </a:prstGeom>
+          <a:noFill/>
+        </p:spPr>
+        <p:txBody>
+          <a:bodyPr wrap="none" rtlCol="0">
+            <a:spAutoFit/>
+          </a:bodyPr>
+          <a:lstStyle/>
+          <a:p>
+            <a:r>
+              <a:rPr lang="en-US" altLang="ko-KR" dirty="0"/>
+              <a:t>prefetch(1) </a:t>
+            </a:r>
+            <a:r>
+              <a:rPr lang="ko-KR" altLang="en-US" dirty="0"/>
+              <a:t>호출하면 데이터셋은 항상</a:t>
+            </a:r>
+            <a:endParaRPr lang="en-US" altLang="ko-KR" dirty="0"/>
+          </a:p>
+          <a:p>
+            <a:r>
+              <a:rPr lang="ko-KR" altLang="en-US" dirty="0"/>
+              <a:t>한 배치가 미리 준비되도록 최선을 다함</a:t>
             </a:r>
           </a:p>
         </p:txBody>
@@ -4369,7 +4046,7 @@
     </p:spTree>
     <p:extLst>
       <p:ext uri="{BB962C8B-B14F-4D97-AF65-F5344CB8AC3E}">
-        <p14:creationId xmlns:p14="http://schemas.microsoft.com/office/powerpoint/2010/main" val="1146120195"/>
+        <p14:creationId xmlns:p14="http://schemas.microsoft.com/office/powerpoint/2010/main" val="325697309"/>
       </p:ext>
     </p:extLst>
   </p:cSld>
@@ -4421,89 +4098,412 @@
           <a:p>
             <a:r>
               <a:rPr lang="en-US" altLang="ko-KR" sz="3200" b="1" dirty="0"/>
-              <a:t>13.1.5 Prefetch</a:t>
-            </a:r>
-            <a:endParaRPr lang="ko-KR" altLang="en-US" sz="3200" b="1" dirty="0"/>
-          </a:p>
-        </p:txBody>
-      </p:sp>
-      <p:pic>
-        <p:nvPicPr>
-          <p:cNvPr id="5" name="내용 개체 틀 4">
-            <a:extLst>
-              <a:ext uri="{FF2B5EF4-FFF2-40B4-BE49-F238E27FC236}">
-                <a16:creationId xmlns:a16="http://schemas.microsoft.com/office/drawing/2014/main" id="{96F62DAA-205A-43D2-B626-B82CA5C854DE}"/>
-              </a:ext>
-            </a:extLst>
-          </p:cNvPr>
-          <p:cNvPicPr>
-            <a:picLocks noGrp="1" noChangeAspect="1"/>
-          </p:cNvPicPr>
+              <a:t>13.2 </a:t>
+            </a:r>
+            <a:r>
+              <a:rPr lang="en-US" altLang="ko-KR" sz="3200" b="1" dirty="0" err="1"/>
+              <a:t>TFRecord</a:t>
+            </a:r>
+            <a:r>
+              <a:rPr lang="en-US" altLang="ko-KR" sz="3200" b="1" dirty="0"/>
+              <a:t> </a:t>
+            </a:r>
+            <a:r>
+              <a:rPr lang="ko-KR" altLang="en-US" sz="3200" b="1" dirty="0"/>
+              <a:t>포맷</a:t>
+            </a:r>
+          </a:p>
+        </p:txBody>
+      </p:sp>
+      <p:sp>
+        <p:nvSpPr>
+          <p:cNvPr id="3" name="내용 개체 틀 2">
+            <a:extLst>
+              <a:ext uri="{FF2B5EF4-FFF2-40B4-BE49-F238E27FC236}">
+                <a16:creationId xmlns:a16="http://schemas.microsoft.com/office/drawing/2014/main" id="{95A3E61C-2B7F-4859-A17B-4F5C3C058AD1}"/>
+              </a:ext>
+            </a:extLst>
+          </p:cNvPr>
+          <p:cNvSpPr>
+            <a:spLocks noGrp="1"/>
+          </p:cNvSpPr>
           <p:nvPr>
             <p:ph idx="1"/>
           </p:nvPr>
-        </p:nvPicPr>
-        <p:blipFill>
-          <a:blip r:embed="rId2">
-            <a:extLst>
-              <a:ext uri="{28A0092B-C50C-407E-A947-70E740481C1C}">
-                <a14:useLocalDpi xmlns:a14="http://schemas.microsoft.com/office/drawing/2010/main" val="0"/>
-              </a:ext>
-            </a:extLst>
-          </a:blip>
-          <a:stretch>
-            <a:fillRect/>
-          </a:stretch>
-        </p:blipFill>
+        </p:nvSpPr>
         <p:spPr>
           <a:xfrm>
-            <a:off x="1142842" y="1253331"/>
-            <a:ext cx="5708028" cy="4351338"/>
+            <a:off x="838200" y="2058875"/>
+            <a:ext cx="10515600" cy="2613414"/>
           </a:xfrm>
         </p:spPr>
-      </p:pic>
-      <p:sp>
-        <p:nvSpPr>
-          <p:cNvPr id="6" name="TextBox 5">
-            <a:extLst>
-              <a:ext uri="{FF2B5EF4-FFF2-40B4-BE49-F238E27FC236}">
-                <a16:creationId xmlns:a16="http://schemas.microsoft.com/office/drawing/2014/main" id="{C2162AC8-3560-4FCA-AFA4-9595667BCEBF}"/>
-              </a:ext>
-            </a:extLst>
-          </p:cNvPr>
-          <p:cNvSpPr txBox="1"/>
-          <p:nvPr/>
-        </p:nvSpPr>
-        <p:spPr>
-          <a:xfrm>
-            <a:off x="6850870" y="3105834"/>
-            <a:ext cx="4286751" cy="646331"/>
-          </a:xfrm>
-          <a:prstGeom prst="rect">
-            <a:avLst/>
-          </a:prstGeom>
-          <a:noFill/>
-        </p:spPr>
-        <p:txBody>
-          <a:bodyPr wrap="none" rtlCol="0">
-            <a:spAutoFit/>
-          </a:bodyPr>
-          <a:lstStyle/>
-          <a:p>
-            <a:r>
-              <a:rPr lang="en-US" altLang="ko-KR" dirty="0"/>
-              <a:t>prefetch(1) </a:t>
-            </a:r>
-            <a:r>
-              <a:rPr lang="ko-KR" altLang="en-US" dirty="0"/>
-              <a:t>호출하면 데이터셋은 항상</a:t>
-            </a:r>
-            <a:endParaRPr lang="en-US" altLang="ko-KR" dirty="0"/>
-          </a:p>
-          <a:p>
-            <a:r>
-              <a:rPr lang="ko-KR" altLang="en-US" dirty="0"/>
-              <a:t>한 배치가 미리 준비되도록 최선을 다함</a:t>
+        <p:txBody>
+          <a:bodyPr/>
+          <a:lstStyle/>
+          <a:p>
+            <a:pPr algn="l" rtl="0">
+              <a:spcBef>
+                <a:spcPts val="0"/>
+              </a:spcBef>
+              <a:spcAft>
+                <a:spcPts val="0"/>
+              </a:spcAft>
+            </a:pPr>
+            <a:r>
+              <a:rPr lang="en-US" altLang="ko-KR" sz="1800" b="0" i="0" u="none" strike="noStrike" dirty="0" err="1">
+                <a:effectLst/>
+                <a:latin typeface="돋움" panose="020B0600000101010101" pitchFamily="50" charset="-127"/>
+                <a:ea typeface="돋움" panose="020B0600000101010101" pitchFamily="50" charset="-127"/>
+              </a:rPr>
+              <a:t>TFRecord</a:t>
+            </a:r>
+            <a:r>
+              <a:rPr lang="en-US" altLang="ko-KR" sz="1800" b="0" i="0" u="none" strike="noStrike" dirty="0">
+                <a:effectLst/>
+                <a:latin typeface="돋움" panose="020B0600000101010101" pitchFamily="50" charset="-127"/>
+                <a:ea typeface="돋움" panose="020B0600000101010101" pitchFamily="50" charset="-127"/>
+              </a:rPr>
+              <a:t> </a:t>
+            </a:r>
+            <a:r>
+              <a:rPr lang="ko-KR" altLang="en-US" sz="1800" b="0" i="0" u="none" strike="noStrike" dirty="0">
+                <a:effectLst/>
+                <a:latin typeface="돋움" panose="020B0600000101010101" pitchFamily="50" charset="-127"/>
+                <a:ea typeface="돋움" panose="020B0600000101010101" pitchFamily="50" charset="-127"/>
+              </a:rPr>
+              <a:t>파일은 </a:t>
+            </a:r>
+            <a:r>
+              <a:rPr lang="ko-KR" altLang="en-US" sz="1800" b="0" i="0" u="none" strike="noStrike" dirty="0" err="1">
+                <a:effectLst/>
+                <a:latin typeface="돋움" panose="020B0600000101010101" pitchFamily="50" charset="-127"/>
+                <a:ea typeface="돋움" panose="020B0600000101010101" pitchFamily="50" charset="-127"/>
+              </a:rPr>
+              <a:t>텐서플로우의</a:t>
+            </a:r>
+            <a:r>
+              <a:rPr lang="ko-KR" altLang="en-US" sz="1800" b="0" i="0" u="none" strike="noStrike" dirty="0">
+                <a:effectLst/>
+                <a:latin typeface="돋움" panose="020B0600000101010101" pitchFamily="50" charset="-127"/>
+                <a:ea typeface="돋움" panose="020B0600000101010101" pitchFamily="50" charset="-127"/>
+              </a:rPr>
+              <a:t> 학습 데이터 등을 저장하기 위한 바이너리 데이터 포맷으로</a:t>
+            </a:r>
+            <a:r>
+              <a:rPr lang="en-US" altLang="ko-KR" sz="1800" b="0" i="0" u="none" strike="noStrike" dirty="0">
+                <a:effectLst/>
+                <a:latin typeface="돋움" panose="020B0600000101010101" pitchFamily="50" charset="-127"/>
+                <a:ea typeface="돋움" panose="020B0600000101010101" pitchFamily="50" charset="-127"/>
+              </a:rPr>
+              <a:t>, </a:t>
+            </a:r>
+            <a:r>
+              <a:rPr lang="ko-KR" altLang="en-US" sz="1800" b="0" i="0" u="none" strike="noStrike" dirty="0">
+                <a:effectLst/>
+                <a:latin typeface="돋움" panose="020B0600000101010101" pitchFamily="50" charset="-127"/>
+                <a:ea typeface="돋움" panose="020B0600000101010101" pitchFamily="50" charset="-127"/>
+              </a:rPr>
+              <a:t>구글의 </a:t>
+            </a:r>
+            <a:r>
+              <a:rPr lang="en-US" altLang="ko-KR" sz="1800" b="0" i="0" u="none" strike="noStrike" dirty="0">
+                <a:effectLst/>
+                <a:latin typeface="돋움" panose="020B0600000101010101" pitchFamily="50" charset="-127"/>
+                <a:ea typeface="돋움" panose="020B0600000101010101" pitchFamily="50" charset="-127"/>
+              </a:rPr>
+              <a:t>Protocol Buffer </a:t>
+            </a:r>
+            <a:r>
+              <a:rPr lang="ko-KR" altLang="en-US" sz="1800" b="0" i="0" u="none" strike="noStrike" dirty="0">
+                <a:effectLst/>
+                <a:latin typeface="돋움" panose="020B0600000101010101" pitchFamily="50" charset="-127"/>
+                <a:ea typeface="돋움" panose="020B0600000101010101" pitchFamily="50" charset="-127"/>
+              </a:rPr>
+              <a:t>포맷으로 데이터를 파일에 </a:t>
+            </a:r>
+            <a:r>
+              <a:rPr lang="en-US" altLang="ko-KR" sz="1800" b="0" i="0" u="none" strike="noStrike" dirty="0">
+                <a:effectLst/>
+                <a:latin typeface="돋움" panose="020B0600000101010101" pitchFamily="50" charset="-127"/>
+                <a:ea typeface="돋움" panose="020B0600000101010101" pitchFamily="50" charset="-127"/>
+              </a:rPr>
+              <a:t>Serialize </a:t>
+            </a:r>
+            <a:r>
+              <a:rPr lang="ko-KR" altLang="en-US" sz="1800" b="0" i="0" u="none" strike="noStrike" dirty="0">
+                <a:effectLst/>
+                <a:latin typeface="돋움" panose="020B0600000101010101" pitchFamily="50" charset="-127"/>
+                <a:ea typeface="돋움" panose="020B0600000101010101" pitchFamily="50" charset="-127"/>
+              </a:rPr>
+              <a:t>하여 저장</a:t>
+            </a:r>
+            <a:endParaRPr lang="en-US" altLang="ko-KR" sz="1800" b="0" i="0" u="none" strike="noStrike" dirty="0">
+              <a:effectLst/>
+              <a:latin typeface="돋움" panose="020B0600000101010101" pitchFamily="50" charset="-127"/>
+              <a:ea typeface="돋움" panose="020B0600000101010101" pitchFamily="50" charset="-127"/>
+            </a:endParaRPr>
+          </a:p>
+          <a:p>
+            <a:pPr algn="l" rtl="0">
+              <a:spcBef>
+                <a:spcPts val="0"/>
+              </a:spcBef>
+              <a:spcAft>
+                <a:spcPts val="0"/>
+              </a:spcAft>
+            </a:pPr>
+            <a:endParaRPr lang="ko-KR" altLang="en-US" sz="1800" b="0" i="0" dirty="0">
+              <a:effectLst/>
+              <a:latin typeface="돋움" panose="020B0600000101010101" pitchFamily="50" charset="-127"/>
+              <a:ea typeface="돋움" panose="020B0600000101010101" pitchFamily="50" charset="-127"/>
+            </a:endParaRPr>
+          </a:p>
+          <a:p>
+            <a:pPr algn="l" rtl="0">
+              <a:spcBef>
+                <a:spcPts val="0"/>
+              </a:spcBef>
+              <a:spcAft>
+                <a:spcPts val="0"/>
+              </a:spcAft>
+            </a:pPr>
+            <a:r>
+              <a:rPr lang="en-US" altLang="ko-KR" sz="1800" b="0" i="0" u="none" strike="noStrike" dirty="0">
+                <a:effectLst/>
+                <a:latin typeface="돋움" panose="020B0600000101010101" pitchFamily="50" charset="-127"/>
+                <a:ea typeface="돋움" panose="020B0600000101010101" pitchFamily="50" charset="-127"/>
+              </a:rPr>
+              <a:t>CSV </a:t>
+            </a:r>
+            <a:r>
+              <a:rPr lang="ko-KR" altLang="en-US" sz="1800" b="0" i="0" u="none" strike="noStrike" dirty="0" err="1">
+                <a:effectLst/>
+                <a:latin typeface="돋움" panose="020B0600000101010101" pitchFamily="50" charset="-127"/>
+                <a:ea typeface="돋움" panose="020B0600000101010101" pitchFamily="50" charset="-127"/>
+              </a:rPr>
+              <a:t>파일에서와</a:t>
+            </a:r>
+            <a:r>
+              <a:rPr lang="ko-KR" altLang="en-US" sz="1800" b="0" i="0" u="none" strike="noStrike" dirty="0">
+                <a:effectLst/>
+                <a:latin typeface="돋움" panose="020B0600000101010101" pitchFamily="50" charset="-127"/>
+                <a:ea typeface="돋움" panose="020B0600000101010101" pitchFamily="50" charset="-127"/>
+              </a:rPr>
+              <a:t> 같이 숫자나 텍스트 데이터를 읽을 때는 크게 지장이 없지만</a:t>
+            </a:r>
+            <a:r>
+              <a:rPr lang="en-US" altLang="ko-KR" sz="1800" b="0" i="0" u="none" strike="noStrike" dirty="0">
+                <a:effectLst/>
+                <a:latin typeface="돋움" panose="020B0600000101010101" pitchFamily="50" charset="-127"/>
+                <a:ea typeface="돋움" panose="020B0600000101010101" pitchFamily="50" charset="-127"/>
+              </a:rPr>
+              <a:t>, </a:t>
+            </a:r>
+            <a:r>
+              <a:rPr lang="ko-KR" altLang="en-US" sz="1800" b="0" i="0" u="none" strike="noStrike" dirty="0">
+                <a:effectLst/>
+                <a:latin typeface="돋움" panose="020B0600000101010101" pitchFamily="50" charset="-127"/>
+                <a:ea typeface="돋움" panose="020B0600000101010101" pitchFamily="50" charset="-127"/>
+              </a:rPr>
+              <a:t>이미지를 데이터를 읽을 경우 이미지는 </a:t>
+            </a:r>
+            <a:r>
+              <a:rPr lang="en-US" altLang="ko-KR" sz="1800" b="0" i="0" u="none" strike="noStrike" dirty="0">
+                <a:effectLst/>
+                <a:latin typeface="돋움" panose="020B0600000101010101" pitchFamily="50" charset="-127"/>
+                <a:ea typeface="돋움" panose="020B0600000101010101" pitchFamily="50" charset="-127"/>
+              </a:rPr>
+              <a:t>JPEG</a:t>
+            </a:r>
+            <a:r>
+              <a:rPr lang="ko-KR" altLang="en-US" sz="1800" b="0" i="0" u="none" strike="noStrike" dirty="0">
+                <a:effectLst/>
+                <a:latin typeface="돋움" panose="020B0600000101010101" pitchFamily="50" charset="-127"/>
+                <a:ea typeface="돋움" panose="020B0600000101010101" pitchFamily="50" charset="-127"/>
+              </a:rPr>
+              <a:t>나 </a:t>
+            </a:r>
+            <a:r>
+              <a:rPr lang="en-US" altLang="ko-KR" sz="1800" b="0" i="0" u="none" strike="noStrike" dirty="0">
+                <a:effectLst/>
+                <a:latin typeface="돋움" panose="020B0600000101010101" pitchFamily="50" charset="-127"/>
+                <a:ea typeface="돋움" panose="020B0600000101010101" pitchFamily="50" charset="-127"/>
+              </a:rPr>
+              <a:t>PNG </a:t>
+            </a:r>
+            <a:r>
+              <a:rPr lang="ko-KR" altLang="en-US" sz="1800" b="0" i="0" u="none" strike="noStrike" dirty="0">
+                <a:effectLst/>
+                <a:latin typeface="돋움" panose="020B0600000101010101" pitchFamily="50" charset="-127"/>
+                <a:ea typeface="돋움" panose="020B0600000101010101" pitchFamily="50" charset="-127"/>
+              </a:rPr>
+              <a:t>형태의 파일로 저장되어 있고 이에 대한 메타 데이터와 라벨은 별도의 파일에 저장되어 있기 때문에</a:t>
+            </a:r>
+            <a:r>
+              <a:rPr lang="en-US" altLang="ko-KR" sz="1800" b="0" i="0" u="none" strike="noStrike" dirty="0">
+                <a:effectLst/>
+                <a:latin typeface="돋움" panose="020B0600000101010101" pitchFamily="50" charset="-127"/>
+                <a:ea typeface="돋움" panose="020B0600000101010101" pitchFamily="50" charset="-127"/>
+              </a:rPr>
+              <a:t>, </a:t>
+            </a:r>
+            <a:r>
+              <a:rPr lang="ko-KR" altLang="en-US" sz="1800" b="0" i="0" u="none" strike="noStrike" dirty="0">
+                <a:effectLst/>
+                <a:latin typeface="돋움" panose="020B0600000101010101" pitchFamily="50" charset="-127"/>
+                <a:ea typeface="돋움" panose="020B0600000101010101" pitchFamily="50" charset="-127"/>
+              </a:rPr>
+              <a:t>학습 데이터를 읽을 때 메타데이터나 라벨용 파일 하나만 읽는 것이 아니라 이미지 파일도 별도로 읽어야 하기 때문에</a:t>
+            </a:r>
+            <a:r>
+              <a:rPr lang="en-US" altLang="ko-KR" sz="1800" b="0" i="0" u="none" strike="noStrike" dirty="0">
+                <a:effectLst/>
+                <a:latin typeface="돋움" panose="020B0600000101010101" pitchFamily="50" charset="-127"/>
+                <a:ea typeface="돋움" panose="020B0600000101010101" pitchFamily="50" charset="-127"/>
+              </a:rPr>
+              <a:t>, </a:t>
+            </a:r>
+            <a:r>
+              <a:rPr lang="ko-KR" altLang="en-US" sz="1800" b="0" i="0" u="none" strike="noStrike" dirty="0">
+                <a:effectLst/>
+                <a:latin typeface="돋움" panose="020B0600000101010101" pitchFamily="50" charset="-127"/>
+                <a:ea typeface="돋움" panose="020B0600000101010101" pitchFamily="50" charset="-127"/>
+              </a:rPr>
+              <a:t>코드가 복잡해짐</a:t>
+            </a:r>
+            <a:endParaRPr lang="en-US" altLang="ko-KR" sz="1800" b="0" i="0" u="none" strike="noStrike" dirty="0">
+              <a:effectLst/>
+              <a:latin typeface="돋움" panose="020B0600000101010101" pitchFamily="50" charset="-127"/>
+              <a:ea typeface="돋움" panose="020B0600000101010101" pitchFamily="50" charset="-127"/>
+            </a:endParaRPr>
+          </a:p>
+          <a:p>
+            <a:pPr algn="l" rtl="0">
+              <a:spcBef>
+                <a:spcPts val="0"/>
+              </a:spcBef>
+              <a:spcAft>
+                <a:spcPts val="0"/>
+              </a:spcAft>
+            </a:pPr>
+            <a:endParaRPr lang="en-US" altLang="ko-KR" sz="1800" b="0" i="0" u="none" strike="noStrike" dirty="0">
+              <a:effectLst/>
+              <a:latin typeface="돋움" panose="020B0600000101010101" pitchFamily="50" charset="-127"/>
+              <a:ea typeface="돋움" panose="020B0600000101010101" pitchFamily="50" charset="-127"/>
+            </a:endParaRPr>
+          </a:p>
+          <a:p>
+            <a:pPr algn="l" rtl="0">
+              <a:spcBef>
+                <a:spcPts val="0"/>
+              </a:spcBef>
+              <a:spcAft>
+                <a:spcPts val="0"/>
+              </a:spcAft>
+            </a:pPr>
+            <a:r>
+              <a:rPr lang="ko-KR" altLang="en-US" sz="1800" b="0" i="0" dirty="0">
+                <a:effectLst/>
+                <a:latin typeface="Dotum" panose="020B0600000101010101" pitchFamily="50" charset="-127"/>
+                <a:ea typeface="Dotum" panose="020B0600000101010101" pitchFamily="50" charset="-127"/>
+              </a:rPr>
+              <a:t>각 레코드는 </a:t>
+            </a:r>
+            <a:r>
+              <a:rPr lang="en-US" altLang="ko-KR" sz="1800" b="0" i="0" dirty="0">
+                <a:effectLst/>
+                <a:latin typeface="Dotum" panose="020B0600000101010101" pitchFamily="50" charset="-127"/>
+                <a:ea typeface="Dotum" panose="020B0600000101010101" pitchFamily="50" charset="-127"/>
+              </a:rPr>
+              <a:t>“</a:t>
+            </a:r>
+            <a:r>
+              <a:rPr lang="ko-KR" altLang="en-US" sz="1800" b="0" i="0" dirty="0">
+                <a:effectLst/>
+                <a:latin typeface="Dotum" panose="020B0600000101010101" pitchFamily="50" charset="-127"/>
+                <a:ea typeface="Dotum" panose="020B0600000101010101" pitchFamily="50" charset="-127"/>
+              </a:rPr>
+              <a:t>레코드 길이</a:t>
+            </a:r>
+            <a:r>
+              <a:rPr lang="en-US" altLang="ko-KR" sz="1800" b="0" i="0" dirty="0">
+                <a:effectLst/>
+                <a:latin typeface="Dotum" panose="020B0600000101010101" pitchFamily="50" charset="-127"/>
+                <a:ea typeface="Dotum" panose="020B0600000101010101" pitchFamily="50" charset="-127"/>
+              </a:rPr>
+              <a:t>, </a:t>
+            </a:r>
+            <a:r>
+              <a:rPr lang="ko-KR" altLang="en-US" sz="1800" b="0" i="0" dirty="0">
+                <a:effectLst/>
+                <a:latin typeface="Dotum" panose="020B0600000101010101" pitchFamily="50" charset="-127"/>
+                <a:ea typeface="Dotum" panose="020B0600000101010101" pitchFamily="50" charset="-127"/>
+              </a:rPr>
+              <a:t>길이가 </a:t>
+            </a:r>
+            <a:r>
+              <a:rPr lang="ko-KR" altLang="en-US" sz="1800" b="0" i="0" dirty="0" err="1">
+                <a:effectLst/>
+                <a:latin typeface="Dotum" panose="020B0600000101010101" pitchFamily="50" charset="-127"/>
+                <a:ea typeface="Dotum" panose="020B0600000101010101" pitchFamily="50" charset="-127"/>
+              </a:rPr>
+              <a:t>올바른지</a:t>
+            </a:r>
+            <a:r>
+              <a:rPr lang="ko-KR" altLang="en-US" sz="1800" b="0" i="0" dirty="0">
+                <a:effectLst/>
+                <a:latin typeface="Dotum" panose="020B0600000101010101" pitchFamily="50" charset="-127"/>
+                <a:ea typeface="Dotum" panose="020B0600000101010101" pitchFamily="50" charset="-127"/>
+              </a:rPr>
+              <a:t> 체크하는 </a:t>
+            </a:r>
+            <a:r>
+              <a:rPr lang="en-US" altLang="ko-KR" sz="1800" b="0" i="0" dirty="0">
+                <a:effectLst/>
+                <a:latin typeface="Dotum" panose="020B0600000101010101" pitchFamily="50" charset="-127"/>
+                <a:ea typeface="Dotum" panose="020B0600000101010101" pitchFamily="50" charset="-127"/>
+              </a:rPr>
+              <a:t>CRC Checksum, </a:t>
+            </a:r>
+            <a:r>
+              <a:rPr lang="ko-KR" altLang="en-US" sz="1800" b="0" i="0" dirty="0">
+                <a:effectLst/>
+                <a:latin typeface="Dotum" panose="020B0600000101010101" pitchFamily="50" charset="-127"/>
+                <a:ea typeface="Dotum" panose="020B0600000101010101" pitchFamily="50" charset="-127"/>
+              </a:rPr>
+              <a:t>실제 데이터</a:t>
+            </a:r>
+            <a:r>
+              <a:rPr lang="en-US" altLang="ko-KR" sz="1800" b="0" i="0" dirty="0">
+                <a:effectLst/>
+                <a:latin typeface="Dotum" panose="020B0600000101010101" pitchFamily="50" charset="-127"/>
+                <a:ea typeface="Dotum" panose="020B0600000101010101" pitchFamily="50" charset="-127"/>
+              </a:rPr>
+              <a:t>, </a:t>
+            </a:r>
+            <a:r>
+              <a:rPr lang="ko-KR" altLang="en-US" sz="1800" b="0" i="0" dirty="0">
+                <a:effectLst/>
+                <a:latin typeface="Dotum" panose="020B0600000101010101" pitchFamily="50" charset="-127"/>
+                <a:ea typeface="Dotum" panose="020B0600000101010101" pitchFamily="50" charset="-127"/>
+              </a:rPr>
+              <a:t>데이터를 위한 </a:t>
+            </a:r>
+            <a:r>
+              <a:rPr lang="en-US" altLang="ko-KR" sz="1800" b="0" i="0" dirty="0">
+                <a:effectLst/>
+                <a:latin typeface="Dotum" panose="020B0600000101010101" pitchFamily="50" charset="-127"/>
+                <a:ea typeface="Dotum" panose="020B0600000101010101" pitchFamily="50" charset="-127"/>
+              </a:rPr>
+              <a:t>CRC Checksum”</a:t>
+            </a:r>
+            <a:r>
+              <a:rPr lang="ko-KR" altLang="en-US" sz="1800" b="0" i="0" dirty="0">
+                <a:effectLst/>
+                <a:latin typeface="Dotum" panose="020B0600000101010101" pitchFamily="50" charset="-127"/>
+                <a:ea typeface="Dotum" panose="020B0600000101010101" pitchFamily="50" charset="-127"/>
+              </a:rPr>
+              <a:t>으로 이루어짐</a:t>
             </a:r>
           </a:p>
         </p:txBody>
@@ -4511,7 +4511,7 @@
     </p:spTree>
     <p:extLst>
       <p:ext uri="{BB962C8B-B14F-4D97-AF65-F5344CB8AC3E}">
-        <p14:creationId xmlns:p14="http://schemas.microsoft.com/office/powerpoint/2010/main" val="325697309"/>
+        <p14:creationId xmlns:p14="http://schemas.microsoft.com/office/powerpoint/2010/main" val="1146120195"/>
       </p:ext>
     </p:extLst>
   </p:cSld>
